--- a/bin/VPSRG ANUS Data Collection Scripting Guide.pptx
+++ b/bin/VPSRG ANUS Data Collection Scripting Guide.pptx
@@ -3243,7 +3243,15 @@
           <a:p>
             <a:r>
               <a:rPr lang="en-US" sz="2000" dirty="0"/>
-              <a:t>Please, create a folder for your Hospital {Hospital Id] and put all your patients there.</a:t>
+              <a:t>Please, create a folder for your Hospital </a:t>
+            </a:r>
+            <a:r>
+              <a:rPr lang="en-US" sz="2000" dirty="0" smtClean="0"/>
+              <a:t>[Hospital </a:t>
+            </a:r>
+            <a:r>
+              <a:rPr lang="en-US" sz="2000" dirty="0"/>
+              <a:t>Id] and put all your patients there.</a:t>
             </a:r>
             <a:endParaRPr lang="en-AU" sz="2000" dirty="0"/>
           </a:p>
@@ -5099,31 +5107,54 @@
             <a:pPr algn="l"/>
             <a:r>
               <a:rPr lang="en-AU" sz="2000" dirty="0" smtClean="0"/>
-              <a:t>The script will search for the desired structures first by code and then by name. If more than 1 structure found, the script will present a list for choosing from.</a:t>
+              <a:t>The script will search for the desired </a:t>
+            </a:r>
+            <a:r>
+              <a:rPr lang="en-AU" sz="2000" dirty="0" smtClean="0"/>
+              <a:t>structures, </a:t>
+            </a:r>
+            <a:r>
+              <a:rPr lang="en-AU" sz="2000" dirty="0" smtClean="0"/>
+              <a:t>first by code and then by name. If more than 1 structure </a:t>
+            </a:r>
+            <a:r>
+              <a:rPr lang="en-AU" sz="2000" dirty="0" smtClean="0"/>
+              <a:t>is found</a:t>
+            </a:r>
+            <a:r>
+              <a:rPr lang="en-AU" sz="2000" dirty="0" smtClean="0"/>
+              <a:t>, the script will present a list for choosing from.</a:t>
             </a:r>
           </a:p>
           <a:p>
             <a:pPr algn="l"/>
             <a:r>
               <a:rPr lang="en-AU" sz="2000" dirty="0" smtClean="0"/>
-              <a:t>If any structure found, the script will prompt for user to enter the name of the required structure:</a:t>
+              <a:t>If </a:t>
             </a:r>
             <a:r>
               <a:rPr lang="en-AU" sz="2000" dirty="0" smtClean="0"/>
-              <a:t>  A list of structures containing the text (case insensitive) will be presented  to choose from.</a:t>
+              <a:t>not any </a:t>
+            </a:r>
+            <a:r>
+              <a:rPr lang="en-AU" sz="2000" dirty="0" smtClean="0"/>
+              <a:t>structure </a:t>
+            </a:r>
+            <a:r>
+              <a:rPr lang="en-AU" sz="2000" dirty="0" smtClean="0"/>
+              <a:t>is found</a:t>
+            </a:r>
+            <a:r>
+              <a:rPr lang="en-AU" sz="2000" dirty="0" smtClean="0"/>
+              <a:t>, the script will prompt for user to enter the name of the required structure:  A list of structures containing the text (case insensitive) will be presented  to choose from.</a:t>
             </a:r>
           </a:p>
           <a:p>
             <a:pPr algn="l"/>
             <a:r>
               <a:rPr lang="en-AU" sz="2000" dirty="0" smtClean="0"/>
-              <a:t>In case the structure is not present, leaving the text field empty and pressing [Ok], or pressing [Cancel] will skip this structure </a:t>
-            </a:r>
-            <a:r>
-              <a:rPr lang="en-AU" sz="2000" dirty="0" smtClean="0"/>
-              <a:t>(PTVs cannot be skipped).</a:t>
-            </a:r>
-            <a:endParaRPr lang="en-AU" sz="2000" dirty="0" smtClean="0"/>
+              <a:t>In case the structure is not present, leaving the text field empty and pressing [Ok], or pressing [Cancel] will skip this structure (PTVs cannot be skipped).</a:t>
+            </a:r>
           </a:p>
         </p:txBody>
       </p:sp>
@@ -5471,19 +5502,7 @@
             <a:pPr algn="l"/>
             <a:r>
               <a:rPr lang="en-AU" sz="2000" dirty="0" smtClean="0"/>
-              <a:t>assigned </a:t>
-            </a:r>
-            <a:r>
-              <a:rPr lang="en-AU" sz="2000" dirty="0" smtClean="0"/>
-              <a:t>the script will not automatically </a:t>
-            </a:r>
-            <a:r>
-              <a:rPr lang="en-AU" sz="2000" dirty="0" smtClean="0"/>
-              <a:t>find it. </a:t>
-            </a:r>
-            <a:r>
-              <a:rPr lang="en-AU" sz="2000" dirty="0" smtClean="0"/>
-              <a:t>You will need to manually enter the name here</a:t>
+              <a:t>assigned the script will not automatically find it. You will need to manually enter the name here</a:t>
             </a:r>
           </a:p>
         </p:txBody>
@@ -8890,11 +8909,7 @@
             </a:r>
             <a:r>
               <a:rPr lang="en-AU" sz="2000" dirty="0" smtClean="0"/>
-              <a:t> </a:t>
-            </a:r>
-            <a:r>
-              <a:rPr lang="en-AU" sz="2000" dirty="0" smtClean="0"/>
-              <a:t>.</a:t>
+              <a:t> .</a:t>
             </a:r>
             <a:r>
               <a:rPr lang="en-AU" sz="2000" dirty="0" err="1" smtClean="0"/>
@@ -8902,19 +8917,15 @@
             </a:r>
             <a:r>
               <a:rPr lang="en-AU" sz="2000" dirty="0" smtClean="0"/>
-              <a:t> script </a:t>
+              <a:t> script into a directory accessible from the Eclipse WS (can be a </a:t>
             </a:r>
             <a:r>
               <a:rPr lang="en-AU" sz="2000" dirty="0" smtClean="0"/>
-              <a:t>into </a:t>
+              <a:t>local or network </a:t>
             </a:r>
             <a:r>
               <a:rPr lang="en-AU" sz="2000" dirty="0" smtClean="0"/>
-              <a:t>a directory accessible from the Eclipse WS (can be a local dir.) </a:t>
-            </a:r>
-            <a:r>
-              <a:rPr lang="en-AU" sz="2000" dirty="0" smtClean="0"/>
-              <a:t>and copy the Excel spreadsheet to a convenient location.</a:t>
+              <a:t>dir.) and copy the Excel spreadsheet to a convenient location.</a:t>
             </a:r>
             <a:endParaRPr lang="en-AU" sz="2000" dirty="0"/>
           </a:p>
@@ -9758,7 +9769,6 @@
               <a:rPr lang="en-AU" sz="1400" i="1" dirty="0" smtClean="0"/>
               <a:t>Levels</a:t>
             </a:r>
-            <a:endParaRPr lang="en-AU" sz="1400" i="1" dirty="0" smtClean="0"/>
           </a:p>
           <a:p>
             <a:pPr marL="800100" lvl="1" indent="-342900" algn="l">
@@ -9767,13 +9777,8 @@
             </a:pPr>
             <a:r>
               <a:rPr lang="en-AU" sz="1400" i="1" dirty="0" smtClean="0"/>
-              <a:t>Intermediate Risk PTV </a:t>
-            </a:r>
-            <a:r>
-              <a:rPr lang="en-AU" sz="1400" i="1" dirty="0" smtClean="0"/>
-              <a:t>Dose,</a:t>
-            </a:r>
-            <a:endParaRPr lang="en-AU" sz="1400" i="1" dirty="0" smtClean="0"/>
+              <a:t>Intermediate Risk PTV Dose,</a:t>
+            </a:r>
           </a:p>
           <a:p>
             <a:pPr marL="800100" lvl="1" indent="-342900" algn="l">
@@ -9782,13 +9787,8 @@
             </a:pPr>
             <a:r>
               <a:rPr lang="en-AU" sz="1400" i="1" dirty="0" smtClean="0"/>
-              <a:t>Low Risk PTV </a:t>
-            </a:r>
-            <a:r>
-              <a:rPr lang="en-AU" sz="1400" i="1" dirty="0" smtClean="0"/>
-              <a:t>Dose, </a:t>
-            </a:r>
-            <a:endParaRPr lang="en-AU" sz="1400" i="1" dirty="0" smtClean="0"/>
+              <a:t>Low Risk PTV Dose, </a:t>
+            </a:r>
           </a:p>
           <a:p>
             <a:pPr marL="800100" lvl="1" indent="-342900" algn="l">
@@ -9797,13 +9797,8 @@
             </a:pPr>
             <a:r>
               <a:rPr lang="en-AU" sz="1400" i="1" dirty="0" smtClean="0"/>
-              <a:t>Diagnosis (i.e. C21.1</a:t>
-            </a:r>
-            <a:r>
-              <a:rPr lang="en-AU" sz="1400" i="1" dirty="0" smtClean="0"/>
-              <a:t>),</a:t>
-            </a:r>
-            <a:endParaRPr lang="en-AU" sz="1400" i="1" dirty="0" smtClean="0"/>
+              <a:t>Diagnosis (i.e. C21.1),</a:t>
+            </a:r>
           </a:p>
           <a:p>
             <a:pPr marL="800100" lvl="1" indent="-342900" algn="l">
@@ -10050,11 +10045,7 @@
             </a:r>
             <a:r>
               <a:rPr lang="en-US" sz="1600" dirty="0" smtClean="0"/>
-              <a:t>name</a:t>
-            </a:r>
-            <a:r>
-              <a:rPr lang="en-US" sz="1600" dirty="0" smtClean="0"/>
-              <a:t>: </a:t>
+              <a:t>name: </a:t>
             </a:r>
             <a:r>
               <a:rPr lang="en-US" sz="1600" dirty="0" err="1" smtClean="0"/>
@@ -10376,15 +10367,7 @@
             <a:pPr algn="l"/>
             <a:r>
               <a:rPr lang="en-AU" sz="2000" dirty="0" smtClean="0"/>
-              <a:t>Run the </a:t>
-            </a:r>
-            <a:r>
-              <a:rPr lang="en-AU" sz="2000" dirty="0" smtClean="0"/>
-              <a:t>Anus.esapi.dll </a:t>
-            </a:r>
-            <a:r>
-              <a:rPr lang="en-AU" sz="2000" dirty="0" smtClean="0"/>
-              <a:t>script</a:t>
+              <a:t>Run the Anus.esapi.dll script</a:t>
             </a:r>
             <a:endParaRPr lang="en-AU" sz="2000" dirty="0"/>
           </a:p>
@@ -10897,7 +10880,7 @@
         </p:spPr>
         <p:txBody>
           <a:bodyPr>
-            <a:normAutofit fontScale="62500" lnSpcReduction="20000"/>
+            <a:normAutofit fontScale="55000" lnSpcReduction="20000"/>
           </a:bodyPr>
           <a:lstStyle/>
           <a:p>
@@ -10915,7 +10898,23 @@
             <a:pPr algn="l"/>
             <a:r>
               <a:rPr lang="en-AU" sz="2000" dirty="0" smtClean="0"/>
-              <a:t>If you wand to hide the original record ID, just type the new ID you want to replace the original one when prompted. </a:t>
+              <a:t>If you </a:t>
+            </a:r>
+            <a:r>
+              <a:rPr lang="en-AU" sz="2000" dirty="0" smtClean="0"/>
+              <a:t>want </a:t>
+            </a:r>
+            <a:r>
+              <a:rPr lang="en-AU" sz="2000" dirty="0" smtClean="0"/>
+              <a:t>to hide the original record </a:t>
+            </a:r>
+            <a:r>
+              <a:rPr lang="en-AU" sz="2000" dirty="0" smtClean="0"/>
+              <a:t>ID (UR), </a:t>
+            </a:r>
+            <a:r>
+              <a:rPr lang="en-AU" sz="2000" dirty="0" smtClean="0"/>
+              <a:t>just type the new ID you want to replace the original one when prompted. </a:t>
             </a:r>
           </a:p>
           <a:p>
